--- a/PPTs/DELETED Slides.pptx
+++ b/PPTs/DELETED Slides.pptx
@@ -6,38 +6,39 @@
     <p:sldMasterId id="2147483665" r:id="rId2"/>
   </p:sldMasterIdLst>
   <p:notesMasterIdLst>
-    <p:notesMasterId r:id="rId8"/>
+    <p:notesMasterId r:id="rId9"/>
   </p:notesMasterIdLst>
   <p:sldIdLst>
     <p:sldId id="296" r:id="rId3"/>
-    <p:sldId id="262" r:id="rId4"/>
-    <p:sldId id="265" r:id="rId5"/>
-    <p:sldId id="274" r:id="rId6"/>
-    <p:sldId id="345" r:id="rId7"/>
+    <p:sldId id="1550" r:id="rId4"/>
+    <p:sldId id="262" r:id="rId5"/>
+    <p:sldId id="265" r:id="rId6"/>
+    <p:sldId id="274" r:id="rId7"/>
+    <p:sldId id="345" r:id="rId8"/>
   </p:sldIdLst>
   <p:sldSz cx="12192000" cy="6858000"/>
   <p:notesSz cx="6858000" cy="9144000"/>
   <p:embeddedFontLst>
     <p:embeddedFont>
       <p:font typeface="Consolas" panose="020B0609020204030204" pitchFamily="49" charset="0"/>
-      <p:regular r:id="rId9"/>
-      <p:bold r:id="rId10"/>
-      <p:italic r:id="rId11"/>
-      <p:boldItalic r:id="rId12"/>
+      <p:regular r:id="rId10"/>
+      <p:bold r:id="rId11"/>
+      <p:italic r:id="rId12"/>
+      <p:boldItalic r:id="rId13"/>
     </p:embeddedFont>
     <p:embeddedFont>
-      <p:font typeface="Helvetica" panose="020B0604020202020204" charset="0"/>
-      <p:regular r:id="rId13"/>
-      <p:bold r:id="rId14"/>
-      <p:italic r:id="rId15"/>
-      <p:boldItalic r:id="rId16"/>
+      <p:font typeface="Helvetica" panose="020B0604020202020204" pitchFamily="34" charset="0"/>
+      <p:regular r:id="rId14"/>
+      <p:bold r:id="rId15"/>
+      <p:italic r:id="rId16"/>
+      <p:boldItalic r:id="rId17"/>
     </p:embeddedFont>
     <p:embeddedFont>
       <p:font typeface="Quattrocento Sans" panose="020B0502050000020003" pitchFamily="34" charset="0"/>
-      <p:regular r:id="rId17"/>
-      <p:bold r:id="rId18"/>
-      <p:italic r:id="rId19"/>
-      <p:boldItalic r:id="rId20"/>
+      <p:regular r:id="rId18"/>
+      <p:bold r:id="rId19"/>
+      <p:italic r:id="rId20"/>
+      <p:boldItalic r:id="rId21"/>
     </p:embeddedFont>
   </p:embeddedFontLst>
   <p:defaultTextStyle>
@@ -1831,7 +1832,7 @@
                 <a:tabLst/>
                 <a:defRPr/>
               </a:pPr>
-              <a:t>2</a:t>
+              <a:t>3</a:t>
             </a:fld>
             <a:endParaRPr kumimoji="0" sz="1400" b="0" i="0" u="none" strike="noStrike" kern="0" cap="none" spc="0" normalizeH="0" baseline="0" noProof="0">
               <a:ln>
@@ -2084,7 +2085,7 @@
                 <a:tabLst/>
                 <a:defRPr/>
               </a:pPr>
-              <a:t>3</a:t>
+              <a:t>4</a:t>
             </a:fld>
             <a:endParaRPr kumimoji="0" sz="1400" b="0" i="0" u="none" strike="noStrike" kern="0" cap="none" spc="0" normalizeH="0" baseline="0" noProof="0">
               <a:ln>
@@ -2261,7 +2262,7 @@
             </a:pPr>
             <a:fld id="{00000000-1234-1234-1234-123412341234}" type="slidenum">
               <a:rPr lang="en-US"/>
-              <a:t>4</a:t>
+              <a:t>5</a:t>
             </a:fld>
             <a:endParaRPr/>
           </a:p>
@@ -2458,7 +2459,7 @@
                 <a:cs typeface="Calibri"/>
                 <a:sym typeface="Calibri"/>
               </a:rPr>
-              <a:t>5</a:t>
+              <a:t>6</a:t>
             </a:fld>
             <a:endParaRPr lang="en-US" sz="1200" b="0" i="0" u="none" strike="noStrike" cap="none">
               <a:solidFill>
@@ -4383,6 +4384,156 @@
 </file>
 
 <file path=ppt/slideLayouts/slideLayout13.xml><?xml version="1.0" encoding="utf-8"?>
+<p:sldLayout xmlns:a="http://schemas.openxmlformats.org/drawingml/2006/main" xmlns:r="http://schemas.openxmlformats.org/officeDocument/2006/relationships" xmlns:p="http://schemas.openxmlformats.org/presentationml/2006/main" type="obj">
+  <p:cSld name="Title and Content">
+    <p:spTree>
+      <p:nvGrpSpPr>
+        <p:cNvPr id="1" name=""/>
+        <p:cNvGrpSpPr/>
+        <p:nvPr/>
+      </p:nvGrpSpPr>
+      <p:grpSpPr>
+        <a:xfrm>
+          <a:off x="0" y="0"/>
+          <a:ext cx="0" cy="0"/>
+          <a:chOff x="0" y="0"/>
+          <a:chExt cx="0" cy="0"/>
+        </a:xfrm>
+      </p:grpSpPr>
+      <p:sp>
+        <p:nvSpPr>
+          <p:cNvPr id="2" name="Title 1"/>
+          <p:cNvSpPr>
+            <a:spLocks noGrp="1"/>
+          </p:cNvSpPr>
+          <p:nvPr>
+            <p:ph type="title"/>
+          </p:nvPr>
+        </p:nvSpPr>
+        <p:spPr/>
+        <p:txBody>
+          <a:bodyPr/>
+          <a:lstStyle>
+            <a:lvl1pPr>
+              <a:defRPr b="0" i="0">
+                <a:latin typeface="Gill Sans" charset="0"/>
+                <a:ea typeface="Gill Sans" charset="0"/>
+                <a:cs typeface="Gill Sans" charset="0"/>
+              </a:defRPr>
+            </a:lvl1pPr>
+          </a:lstStyle>
+          <a:p>
+            <a:r>
+              <a:rPr lang="en-US" dirty="0"/>
+              <a:t>Click to edit Master title style</a:t>
+            </a:r>
+          </a:p>
+        </p:txBody>
+      </p:sp>
+      <p:sp>
+        <p:nvSpPr>
+          <p:cNvPr id="3" name="Content Placeholder 2"/>
+          <p:cNvSpPr>
+            <a:spLocks noGrp="1"/>
+          </p:cNvSpPr>
+          <p:nvPr>
+            <p:ph idx="1"/>
+          </p:nvPr>
+        </p:nvSpPr>
+        <p:spPr/>
+        <p:txBody>
+          <a:bodyPr>
+            <a:normAutofit/>
+          </a:bodyPr>
+          <a:lstStyle>
+            <a:lvl1pPr>
+              <a:defRPr sz="2800" b="0" i="0">
+                <a:latin typeface="Gill Sans" panose="020B0502020104020203"/>
+                <a:ea typeface="Gill Sans" panose="020B0502020104020203"/>
+                <a:cs typeface="Gill Sans" panose="020B0502020104020203"/>
+              </a:defRPr>
+            </a:lvl1pPr>
+            <a:lvl2pPr>
+              <a:defRPr sz="2400" b="0" i="0">
+                <a:latin typeface="Gill Sans" panose="020B0502020104020203"/>
+                <a:ea typeface="Gill Sans" panose="020B0502020104020203"/>
+                <a:cs typeface="Gill Sans" panose="020B0502020104020203"/>
+              </a:defRPr>
+            </a:lvl2pPr>
+            <a:lvl3pPr>
+              <a:defRPr sz="2400" b="0" i="0">
+                <a:latin typeface="Gill Sans" panose="020B0502020104020203"/>
+                <a:ea typeface="Gill Sans" panose="020B0502020104020203"/>
+                <a:cs typeface="Gill Sans" panose="020B0502020104020203"/>
+              </a:defRPr>
+            </a:lvl3pPr>
+            <a:lvl4pPr>
+              <a:defRPr sz="2400" b="0" i="0">
+                <a:latin typeface="Gill Sans" panose="020B0502020104020203"/>
+                <a:ea typeface="Gill Sans" panose="020B0502020104020203"/>
+                <a:cs typeface="Gill Sans" panose="020B0502020104020203"/>
+              </a:defRPr>
+            </a:lvl4pPr>
+            <a:lvl5pPr>
+              <a:defRPr sz="2400" b="0" i="0">
+                <a:latin typeface="Gill Sans" panose="020B0502020104020203"/>
+                <a:ea typeface="Gill Sans" panose="020B0502020104020203"/>
+                <a:cs typeface="Gill Sans" panose="020B0502020104020203"/>
+              </a:defRPr>
+            </a:lvl5pPr>
+          </a:lstStyle>
+          <a:p>
+            <a:pPr lvl="0"/>
+            <a:r>
+              <a:rPr lang="en-US" dirty="0"/>
+              <a:t>Click to edit Master text styles</a:t>
+            </a:r>
+          </a:p>
+          <a:p>
+            <a:pPr lvl="1"/>
+            <a:r>
+              <a:rPr lang="en-US" dirty="0"/>
+              <a:t>Second level</a:t>
+            </a:r>
+          </a:p>
+          <a:p>
+            <a:pPr lvl="2"/>
+            <a:r>
+              <a:rPr lang="en-US" dirty="0"/>
+              <a:t>Third level</a:t>
+            </a:r>
+          </a:p>
+          <a:p>
+            <a:pPr lvl="3"/>
+            <a:r>
+              <a:rPr lang="en-US" dirty="0"/>
+              <a:t>Fourth level</a:t>
+            </a:r>
+          </a:p>
+          <a:p>
+            <a:pPr lvl="4"/>
+            <a:r>
+              <a:rPr lang="en-US" dirty="0"/>
+              <a:t>Fifth level</a:t>
+            </a:r>
+          </a:p>
+        </p:txBody>
+      </p:sp>
+    </p:spTree>
+    <p:extLst>
+      <p:ext uri="{BB962C8B-B14F-4D97-AF65-F5344CB8AC3E}">
+        <p14:creationId xmlns:p14="http://schemas.microsoft.com/office/powerpoint/2010/main" val="2798935921"/>
+      </p:ext>
+    </p:extLst>
+  </p:cSld>
+  <p:clrMapOvr>
+    <a:masterClrMapping/>
+  </p:clrMapOvr>
+  <p:transition/>
+</p:sldLayout>
+</file>
+
+<file path=ppt/slideLayouts/slideLayout14.xml><?xml version="1.0" encoding="utf-8"?>
 <p:sldLayout xmlns:a="http://schemas.openxmlformats.org/drawingml/2006/main" xmlns:r="http://schemas.openxmlformats.org/officeDocument/2006/relationships" xmlns:p="http://schemas.openxmlformats.org/presentationml/2006/main" matchingName="1_Custom Layout" userDrawn="1">
   <p:cSld name="1_Custom Layout">
     <p:spTree>
@@ -5016,7 +5167,7 @@
 </p:sldLayout>
 </file>
 
-<file path=ppt/slideLayouts/slideLayout14.xml><?xml version="1.0" encoding="utf-8"?>
+<file path=ppt/slideLayouts/slideLayout15.xml><?xml version="1.0" encoding="utf-8"?>
 <p:sldLayout xmlns:a="http://schemas.openxmlformats.org/drawingml/2006/main" xmlns:r="http://schemas.openxmlformats.org/officeDocument/2006/relationships" xmlns:p="http://schemas.openxmlformats.org/presentationml/2006/main" matchingName="Title and Content" type="obj">
   <p:cSld name="Title and Content">
     <p:spTree>
@@ -5341,7 +5492,7 @@
 </p:sldLayout>
 </file>
 
-<file path=ppt/slideLayouts/slideLayout15.xml><?xml version="1.0" encoding="utf-8"?>
+<file path=ppt/slideLayouts/slideLayout16.xml><?xml version="1.0" encoding="utf-8"?>
 <p:sldLayout xmlns:a="http://schemas.openxmlformats.org/drawingml/2006/main" xmlns:r="http://schemas.openxmlformats.org/officeDocument/2006/relationships" xmlns:p="http://schemas.openxmlformats.org/presentationml/2006/main" matchingName="Title and Content 1">
   <p:cSld name="Title and Content 1">
     <p:spTree>
@@ -5534,7 +5685,7 @@
 </p:sldLayout>
 </file>
 
-<file path=ppt/slideLayouts/slideLayout16.xml><?xml version="1.0" encoding="utf-8"?>
+<file path=ppt/slideLayouts/slideLayout17.xml><?xml version="1.0" encoding="utf-8"?>
 <p:sldLayout xmlns:a="http://schemas.openxmlformats.org/drawingml/2006/main" xmlns:r="http://schemas.openxmlformats.org/officeDocument/2006/relationships" xmlns:p="http://schemas.openxmlformats.org/presentationml/2006/main" matchingName="Custom Layout">
   <p:cSld name="Custom Layout">
     <p:spTree>
@@ -8017,7 +8168,7 @@
 </p:sldLayout>
 </file>
 
-<file path=ppt/slideLayouts/slideLayout17.xml><?xml version="1.0" encoding="utf-8"?>
+<file path=ppt/slideLayouts/slideLayout18.xml><?xml version="1.0" encoding="utf-8"?>
 <p:sldLayout xmlns:a="http://schemas.openxmlformats.org/drawingml/2006/main" xmlns:r="http://schemas.openxmlformats.org/officeDocument/2006/relationships" xmlns:p="http://schemas.openxmlformats.org/presentationml/2006/main" matchingName="Comparison">
   <p:cSld name="Comparison">
     <p:spTree>
@@ -8866,7 +9017,7 @@
 </p:sldLayout>
 </file>
 
-<file path=ppt/slideLayouts/slideLayout18.xml><?xml version="1.0" encoding="utf-8"?>
+<file path=ppt/slideLayouts/slideLayout19.xml><?xml version="1.0" encoding="utf-8"?>
 <p:sldLayout xmlns:a="http://schemas.openxmlformats.org/drawingml/2006/main" xmlns:r="http://schemas.openxmlformats.org/officeDocument/2006/relationships" xmlns:p="http://schemas.openxmlformats.org/presentationml/2006/main" matchingName="Section Introduction">
   <p:cSld name="Section Introduction">
     <p:spTree>
@@ -9941,36 +10092,6 @@
 </p:sldLayout>
 </file>
 
-<file path=ppt/slideLayouts/slideLayout19.xml><?xml version="1.0" encoding="utf-8"?>
-<p:sldLayout xmlns:a="http://schemas.openxmlformats.org/drawingml/2006/main" xmlns:r="http://schemas.openxmlformats.org/officeDocument/2006/relationships" xmlns:p="http://schemas.openxmlformats.org/presentationml/2006/main" matchingName="Completely blank">
-  <p:cSld name="Completely blank">
-    <p:spTree>
-      <p:nvGrpSpPr>
-        <p:cNvPr id="1" name="Shape 93"/>
-        <p:cNvGrpSpPr/>
-        <p:nvPr/>
-      </p:nvGrpSpPr>
-      <p:grpSpPr>
-        <a:xfrm>
-          <a:off x="0" y="0"/>
-          <a:ext cx="0" cy="0"/>
-          <a:chOff x="0" y="0"/>
-          <a:chExt cx="0" cy="0"/>
-        </a:xfrm>
-      </p:grpSpPr>
-    </p:spTree>
-    <p:extLst>
-      <p:ext uri="{BB962C8B-B14F-4D97-AF65-F5344CB8AC3E}">
-        <p14:creationId xmlns:p14="http://schemas.microsoft.com/office/powerpoint/2010/main" val="147422264"/>
-      </p:ext>
-    </p:extLst>
-  </p:cSld>
-  <p:clrMapOvr>
-    <a:masterClrMapping/>
-  </p:clrMapOvr>
-</p:sldLayout>
-</file>
-
 <file path=ppt/slideLayouts/slideLayout2.xml><?xml version="1.0" encoding="utf-8"?>
 <p:sldLayout xmlns:a="http://schemas.openxmlformats.org/drawingml/2006/main" xmlns:r="http://schemas.openxmlformats.org/officeDocument/2006/relationships" xmlns:p="http://schemas.openxmlformats.org/presentationml/2006/main" matchingName="Title and Content 1">
   <p:cSld name="OBJECT_1">
@@ -10160,6 +10281,36 @@
 </file>
 
 <file path=ppt/slideLayouts/slideLayout20.xml><?xml version="1.0" encoding="utf-8"?>
+<p:sldLayout xmlns:a="http://schemas.openxmlformats.org/drawingml/2006/main" xmlns:r="http://schemas.openxmlformats.org/officeDocument/2006/relationships" xmlns:p="http://schemas.openxmlformats.org/presentationml/2006/main" matchingName="Completely blank">
+  <p:cSld name="Completely blank">
+    <p:spTree>
+      <p:nvGrpSpPr>
+        <p:cNvPr id="1" name="Shape 93"/>
+        <p:cNvGrpSpPr/>
+        <p:nvPr/>
+      </p:nvGrpSpPr>
+      <p:grpSpPr>
+        <a:xfrm>
+          <a:off x="0" y="0"/>
+          <a:ext cx="0" cy="0"/>
+          <a:chOff x="0" y="0"/>
+          <a:chExt cx="0" cy="0"/>
+        </a:xfrm>
+      </p:grpSpPr>
+    </p:spTree>
+    <p:extLst>
+      <p:ext uri="{BB962C8B-B14F-4D97-AF65-F5344CB8AC3E}">
+        <p14:creationId xmlns:p14="http://schemas.microsoft.com/office/powerpoint/2010/main" val="147422264"/>
+      </p:ext>
+    </p:extLst>
+  </p:cSld>
+  <p:clrMapOvr>
+    <a:masterClrMapping/>
+  </p:clrMapOvr>
+</p:sldLayout>
+</file>
+
+<file path=ppt/slideLayouts/slideLayout21.xml><?xml version="1.0" encoding="utf-8"?>
 <p:sldLayout xmlns:a="http://schemas.openxmlformats.org/drawingml/2006/main" xmlns:r="http://schemas.openxmlformats.org/officeDocument/2006/relationships" xmlns:p="http://schemas.openxmlformats.org/presentationml/2006/main" showMasterSp="0" matchingName="Section Header" type="secHead">
   <p:cSld name="Section Header">
     <p:spTree>
@@ -19277,7 +19428,7 @@
 </p:sldLayout>
 </file>
 
-<file path=ppt/slideLayouts/slideLayout21.xml><?xml version="1.0" encoding="utf-8"?>
+<file path=ppt/slideLayouts/slideLayout22.xml><?xml version="1.0" encoding="utf-8"?>
 <p:sldLayout xmlns:a="http://schemas.openxmlformats.org/drawingml/2006/main" xmlns:r="http://schemas.openxmlformats.org/officeDocument/2006/relationships" xmlns:p="http://schemas.openxmlformats.org/presentationml/2006/main" matchingName="Two Content">
   <p:cSld name="Two Content">
     <p:spTree>
@@ -19790,7 +19941,7 @@
 </p:sldLayout>
 </file>
 
-<file path=ppt/slideLayouts/slideLayout22.xml><?xml version="1.0" encoding="utf-8"?>
+<file path=ppt/slideLayouts/slideLayout23.xml><?xml version="1.0" encoding="utf-8"?>
 <p:sldLayout xmlns:a="http://schemas.openxmlformats.org/drawingml/2006/main" xmlns:r="http://schemas.openxmlformats.org/officeDocument/2006/relationships" xmlns:p="http://schemas.openxmlformats.org/presentationml/2006/main" matchingName="Title Only" type="titleOnly">
   <p:cSld name="Title Only">
     <p:spTree>
@@ -19983,7 +20134,7 @@
 </p:sldLayout>
 </file>
 
-<file path=ppt/slideLayouts/slideLayout23.xml><?xml version="1.0" encoding="utf-8"?>
+<file path=ppt/slideLayouts/slideLayout24.xml><?xml version="1.0" encoding="utf-8"?>
 <p:sldLayout xmlns:a="http://schemas.openxmlformats.org/drawingml/2006/main" xmlns:r="http://schemas.openxmlformats.org/officeDocument/2006/relationships" xmlns:p="http://schemas.openxmlformats.org/presentationml/2006/main" showMasterSp="0" matchingName="Blank" type="blank">
   <p:cSld name="Blank">
     <p:spTree>
@@ -20141,7 +20292,7 @@
 </p:sldLayout>
 </file>
 
-<file path=ppt/slideLayouts/slideLayout24.xml><?xml version="1.0" encoding="utf-8"?>
+<file path=ppt/slideLayouts/slideLayout25.xml><?xml version="1.0" encoding="utf-8"?>
 <p:sldLayout xmlns:a="http://schemas.openxmlformats.org/drawingml/2006/main" xmlns:r="http://schemas.openxmlformats.org/officeDocument/2006/relationships" xmlns:p="http://schemas.openxmlformats.org/presentationml/2006/main" showMasterSp="0" matchingName="Picture with Caption" type="picTx">
   <p:cSld name="Picture with Caption">
     <p:spTree>
@@ -20711,7 +20862,7 @@
 </p:sldLayout>
 </file>
 
-<file path=ppt/slideLayouts/slideLayout25.xml><?xml version="1.0" encoding="utf-8"?>
+<file path=ppt/slideLayouts/slideLayout26.xml><?xml version="1.0" encoding="utf-8"?>
 <p:sldLayout xmlns:a="http://schemas.openxmlformats.org/drawingml/2006/main" xmlns:r="http://schemas.openxmlformats.org/officeDocument/2006/relationships" xmlns:p="http://schemas.openxmlformats.org/presentationml/2006/main" matchingName="Custom Layout 1">
   <p:cSld name="Custom Layout 1">
     <p:spTree>
@@ -20839,7 +20990,7 @@
 </p:sldLayout>
 </file>
 
-<file path=ppt/slideLayouts/slideLayout26.xml><?xml version="1.0" encoding="utf-8"?>
+<file path=ppt/slideLayouts/slideLayout27.xml><?xml version="1.0" encoding="utf-8"?>
 <p:sldLayout xmlns:a="http://schemas.openxmlformats.org/drawingml/2006/main" xmlns:r="http://schemas.openxmlformats.org/officeDocument/2006/relationships" xmlns:p="http://schemas.openxmlformats.org/presentationml/2006/main" showMasterSp="0" matchingName="Title Slide" userDrawn="1">
   <p:cSld name="Title Slide">
     <p:spTree>
@@ -34921,6 +35072,7 @@
     <p:sldLayoutId id="2147483661" r:id="rId10"/>
     <p:sldLayoutId id="2147483662" r:id="rId11"/>
     <p:sldLayoutId id="2147483664" r:id="rId12"/>
+    <p:sldLayoutId id="2147483680" r:id="rId13"/>
   </p:sldLayoutIdLst>
   <p:hf sldNum="0" hdr="0" ftr="0" dt="0"/>
   <p:txStyles>
@@ -37673,6 +37825,1737 @@
 </file>
 
 <file path=ppt/slides/slide2.xml><?xml version="1.0" encoding="utf-8"?>
+<p:sld xmlns:a="http://schemas.openxmlformats.org/drawingml/2006/main" xmlns:r="http://schemas.openxmlformats.org/officeDocument/2006/relationships" xmlns:p="http://schemas.openxmlformats.org/presentationml/2006/main">
+  <p:cSld>
+    <p:spTree>
+      <p:nvGrpSpPr>
+        <p:cNvPr id="1" name="">
+          <a:extLst>
+            <a:ext uri="{FF2B5EF4-FFF2-40B4-BE49-F238E27FC236}">
+              <a16:creationId xmlns:a16="http://schemas.microsoft.com/office/drawing/2014/main" id="{44E83E62-8C3D-B70B-DAE3-41C8FDD891FC}"/>
+            </a:ext>
+          </a:extLst>
+        </p:cNvPr>
+        <p:cNvGrpSpPr/>
+        <p:nvPr/>
+      </p:nvGrpSpPr>
+      <p:grpSpPr>
+        <a:xfrm>
+          <a:off x="0" y="0"/>
+          <a:ext cx="0" cy="0"/>
+          <a:chOff x="0" y="0"/>
+          <a:chExt cx="0" cy="0"/>
+        </a:xfrm>
+      </p:grpSpPr>
+      <p:sp>
+        <p:nvSpPr>
+          <p:cNvPr id="2" name="Title 1">
+            <a:extLst>
+              <a:ext uri="{FF2B5EF4-FFF2-40B4-BE49-F238E27FC236}">
+                <a16:creationId xmlns:a16="http://schemas.microsoft.com/office/drawing/2014/main" id="{CD9E2C49-BFB0-B7CF-BDDE-9A5A05535F77}"/>
+              </a:ext>
+            </a:extLst>
+          </p:cNvPr>
+          <p:cNvSpPr>
+            <a:spLocks noGrp="1"/>
+          </p:cNvSpPr>
+          <p:nvPr>
+            <p:ph type="title"/>
+          </p:nvPr>
+        </p:nvSpPr>
+        <p:spPr/>
+        <p:txBody>
+          <a:bodyPr/>
+          <a:lstStyle/>
+          <a:p>
+            <a:r>
+              <a:rPr lang="en-US" dirty="0"/>
+              <a:t>2) </a:t>
+            </a:r>
+            <a:r>
+              <a:rPr lang="en-US" altLang="zh-CN" dirty="0"/>
+              <a:t>Insertion</a:t>
+            </a:r>
+            <a:r>
+              <a:rPr lang="en-GB" altLang="zh-CN" dirty="0"/>
+              <a:t> </a:t>
+            </a:r>
+            <a:r>
+              <a:rPr lang="en-GB" dirty="0"/>
+              <a:t>Sort</a:t>
+            </a:r>
+          </a:p>
+        </p:txBody>
+      </p:sp>
+      <p:sp>
+        <p:nvSpPr>
+          <p:cNvPr id="10" name="Content Placeholder 9">
+            <a:extLst>
+              <a:ext uri="{FF2B5EF4-FFF2-40B4-BE49-F238E27FC236}">
+                <a16:creationId xmlns:a16="http://schemas.microsoft.com/office/drawing/2014/main" id="{6BEE2A1B-64C2-5937-12F1-90753C9033F4}"/>
+              </a:ext>
+            </a:extLst>
+          </p:cNvPr>
+          <p:cNvSpPr>
+            <a:spLocks noGrp="1"/>
+          </p:cNvSpPr>
+          <p:nvPr>
+            <p:ph idx="1"/>
+          </p:nvPr>
+        </p:nvSpPr>
+        <p:spPr>
+          <a:xfrm>
+            <a:off x="812800" y="914400"/>
+            <a:ext cx="10566400" cy="491808"/>
+          </a:xfrm>
+        </p:spPr>
+        <p:txBody>
+          <a:bodyPr/>
+          <a:lstStyle/>
+          <a:p>
+            <a:endParaRPr lang="en-SE" dirty="0"/>
+          </a:p>
+        </p:txBody>
+      </p:sp>
+      <p:graphicFrame>
+        <p:nvGraphicFramePr>
+          <p:cNvPr id="11" name="Content Placeholder 3">
+            <a:extLst>
+              <a:ext uri="{FF2B5EF4-FFF2-40B4-BE49-F238E27FC236}">
+                <a16:creationId xmlns:a16="http://schemas.microsoft.com/office/drawing/2014/main" id="{A94956A7-D5DD-FDF3-23F4-0091E75026B6}"/>
+              </a:ext>
+            </a:extLst>
+          </p:cNvPr>
+          <p:cNvGraphicFramePr>
+            <a:graphicFrameLocks/>
+          </p:cNvGraphicFramePr>
+          <p:nvPr/>
+        </p:nvGraphicFramePr>
+        <p:xfrm>
+          <a:off x="742913" y="1676400"/>
+          <a:ext cx="4397826" cy="457200"/>
+        </p:xfrm>
+        <a:graphic>
+          <a:graphicData uri="http://schemas.openxmlformats.org/drawingml/2006/table">
+            <a:tbl>
+              <a:tblPr firstRow="1" bandRow="1">
+                <a:tableStyleId>{5940675A-B579-460E-94D1-54222C63F5DA}</a:tableStyleId>
+              </a:tblPr>
+              <a:tblGrid>
+                <a:gridCol w="732971">
+                  <a:extLst>
+                    <a:ext uri="{9D8B030D-6E8A-4147-A177-3AD203B41FA5}">
+                      <a16:colId xmlns:a16="http://schemas.microsoft.com/office/drawing/2014/main" val="1092347686"/>
+                    </a:ext>
+                  </a:extLst>
+                </a:gridCol>
+                <a:gridCol w="732971">
+                  <a:extLst>
+                    <a:ext uri="{9D8B030D-6E8A-4147-A177-3AD203B41FA5}">
+                      <a16:colId xmlns:a16="http://schemas.microsoft.com/office/drawing/2014/main" val="3808001989"/>
+                    </a:ext>
+                  </a:extLst>
+                </a:gridCol>
+                <a:gridCol w="732971">
+                  <a:extLst>
+                    <a:ext uri="{9D8B030D-6E8A-4147-A177-3AD203B41FA5}">
+                      <a16:colId xmlns:a16="http://schemas.microsoft.com/office/drawing/2014/main" val="1745240979"/>
+                    </a:ext>
+                  </a:extLst>
+                </a:gridCol>
+                <a:gridCol w="732971">
+                  <a:extLst>
+                    <a:ext uri="{9D8B030D-6E8A-4147-A177-3AD203B41FA5}">
+                      <a16:colId xmlns:a16="http://schemas.microsoft.com/office/drawing/2014/main" val="830981527"/>
+                    </a:ext>
+                  </a:extLst>
+                </a:gridCol>
+                <a:gridCol w="732971">
+                  <a:extLst>
+                    <a:ext uri="{9D8B030D-6E8A-4147-A177-3AD203B41FA5}">
+                      <a16:colId xmlns:a16="http://schemas.microsoft.com/office/drawing/2014/main" val="323891662"/>
+                    </a:ext>
+                  </a:extLst>
+                </a:gridCol>
+                <a:gridCol w="732971">
+                  <a:extLst>
+                    <a:ext uri="{9D8B030D-6E8A-4147-A177-3AD203B41FA5}">
+                      <a16:colId xmlns:a16="http://schemas.microsoft.com/office/drawing/2014/main" val="3598847113"/>
+                    </a:ext>
+                  </a:extLst>
+                </a:gridCol>
+              </a:tblGrid>
+              <a:tr h="457200">
+                <a:tc>
+                  <a:txBody>
+                    <a:bodyPr/>
+                    <a:lstStyle/>
+                    <a:p>
+                      <a:pPr algn="ctr"/>
+                      <a:r>
+                        <a:rPr lang="en-US" sz="2000" dirty="0"/>
+                        <a:t>4</a:t>
+                      </a:r>
+                      <a:endParaRPr lang="en-SE" sz="2000" dirty="0"/>
+                    </a:p>
+                  </a:txBody>
+                  <a:tcPr anchor="ctr"/>
+                </a:tc>
+                <a:tc>
+                  <a:txBody>
+                    <a:bodyPr/>
+                    <a:lstStyle/>
+                    <a:p>
+                      <a:pPr algn="ctr"/>
+                      <a:r>
+                        <a:rPr lang="en-US" sz="2000" dirty="0"/>
+                        <a:t>3</a:t>
+                      </a:r>
+                      <a:endParaRPr lang="en-SE" sz="2000" dirty="0"/>
+                    </a:p>
+                  </a:txBody>
+                  <a:tcPr anchor="ctr"/>
+                </a:tc>
+                <a:tc>
+                  <a:txBody>
+                    <a:bodyPr/>
+                    <a:lstStyle/>
+                    <a:p>
+                      <a:pPr algn="ctr"/>
+                      <a:r>
+                        <a:rPr lang="en-US" sz="2000" dirty="0"/>
+                        <a:t>2</a:t>
+                      </a:r>
+                      <a:endParaRPr lang="en-SE" sz="2000" dirty="0"/>
+                    </a:p>
+                  </a:txBody>
+                  <a:tcPr anchor="ctr"/>
+                </a:tc>
+                <a:tc>
+                  <a:txBody>
+                    <a:bodyPr/>
+                    <a:lstStyle/>
+                    <a:p>
+                      <a:pPr algn="ctr"/>
+                      <a:r>
+                        <a:rPr lang="en-US" sz="2000" dirty="0"/>
+                        <a:t>1</a:t>
+                      </a:r>
+                      <a:endParaRPr lang="en-SE" sz="2000" dirty="0"/>
+                    </a:p>
+                  </a:txBody>
+                  <a:tcPr anchor="ctr"/>
+                </a:tc>
+                <a:tc>
+                  <a:txBody>
+                    <a:bodyPr/>
+                    <a:lstStyle/>
+                    <a:p>
+                      <a:pPr algn="ctr"/>
+                      <a:r>
+                        <a:rPr lang="en-US" sz="2000" dirty="0"/>
+                        <a:t>0</a:t>
+                      </a:r>
+                      <a:endParaRPr lang="en-SE" sz="2000" dirty="0"/>
+                    </a:p>
+                  </a:txBody>
+                  <a:tcPr anchor="ctr"/>
+                </a:tc>
+                <a:tc>
+                  <a:txBody>
+                    <a:bodyPr/>
+                    <a:lstStyle/>
+                    <a:p>
+                      <a:pPr algn="ctr"/>
+                      <a:r>
+                        <a:rPr lang="en-US" sz="2000" dirty="0"/>
+                        <a:t>5</a:t>
+                      </a:r>
+                      <a:endParaRPr lang="en-SE" sz="2000" dirty="0"/>
+                    </a:p>
+                  </a:txBody>
+                  <a:tcPr anchor="ctr"/>
+                </a:tc>
+                <a:extLst>
+                  <a:ext uri="{0D108BD9-81ED-4DB2-BD59-A6C34878D82A}">
+                    <a16:rowId xmlns:a16="http://schemas.microsoft.com/office/drawing/2014/main" val="3643504535"/>
+                  </a:ext>
+                </a:extLst>
+              </a:tr>
+            </a:tbl>
+          </a:graphicData>
+        </a:graphic>
+      </p:graphicFrame>
+      <p:graphicFrame>
+        <p:nvGraphicFramePr>
+          <p:cNvPr id="12" name="Content Placeholder 3">
+            <a:extLst>
+              <a:ext uri="{FF2B5EF4-FFF2-40B4-BE49-F238E27FC236}">
+                <a16:creationId xmlns:a16="http://schemas.microsoft.com/office/drawing/2014/main" id="{DA9CC547-0664-52A5-E8F4-30043500AFB9}"/>
+              </a:ext>
+            </a:extLst>
+          </p:cNvPr>
+          <p:cNvGraphicFramePr>
+            <a:graphicFrameLocks/>
+          </p:cNvGraphicFramePr>
+          <p:nvPr/>
+        </p:nvGraphicFramePr>
+        <p:xfrm>
+          <a:off x="6991313" y="1691640"/>
+          <a:ext cx="4397826" cy="457200"/>
+        </p:xfrm>
+        <a:graphic>
+          <a:graphicData uri="http://schemas.openxmlformats.org/drawingml/2006/table">
+            <a:tbl>
+              <a:tblPr firstRow="1" bandRow="1">
+                <a:tableStyleId>{5940675A-B579-460E-94D1-54222C63F5DA}</a:tableStyleId>
+              </a:tblPr>
+              <a:tblGrid>
+                <a:gridCol w="732971">
+                  <a:extLst>
+                    <a:ext uri="{9D8B030D-6E8A-4147-A177-3AD203B41FA5}">
+                      <a16:colId xmlns:a16="http://schemas.microsoft.com/office/drawing/2014/main" val="1092347686"/>
+                    </a:ext>
+                  </a:extLst>
+                </a:gridCol>
+                <a:gridCol w="732971">
+                  <a:extLst>
+                    <a:ext uri="{9D8B030D-6E8A-4147-A177-3AD203B41FA5}">
+                      <a16:colId xmlns:a16="http://schemas.microsoft.com/office/drawing/2014/main" val="3808001989"/>
+                    </a:ext>
+                  </a:extLst>
+                </a:gridCol>
+                <a:gridCol w="732971">
+                  <a:extLst>
+                    <a:ext uri="{9D8B030D-6E8A-4147-A177-3AD203B41FA5}">
+                      <a16:colId xmlns:a16="http://schemas.microsoft.com/office/drawing/2014/main" val="1745240979"/>
+                    </a:ext>
+                  </a:extLst>
+                </a:gridCol>
+                <a:gridCol w="732971">
+                  <a:extLst>
+                    <a:ext uri="{9D8B030D-6E8A-4147-A177-3AD203B41FA5}">
+                      <a16:colId xmlns:a16="http://schemas.microsoft.com/office/drawing/2014/main" val="830981527"/>
+                    </a:ext>
+                  </a:extLst>
+                </a:gridCol>
+                <a:gridCol w="732971">
+                  <a:extLst>
+                    <a:ext uri="{9D8B030D-6E8A-4147-A177-3AD203B41FA5}">
+                      <a16:colId xmlns:a16="http://schemas.microsoft.com/office/drawing/2014/main" val="323891662"/>
+                    </a:ext>
+                  </a:extLst>
+                </a:gridCol>
+                <a:gridCol w="732971">
+                  <a:extLst>
+                    <a:ext uri="{9D8B030D-6E8A-4147-A177-3AD203B41FA5}">
+                      <a16:colId xmlns:a16="http://schemas.microsoft.com/office/drawing/2014/main" val="3598847113"/>
+                    </a:ext>
+                  </a:extLst>
+                </a:gridCol>
+              </a:tblGrid>
+              <a:tr h="457200">
+                <a:tc>
+                  <a:txBody>
+                    <a:bodyPr/>
+                    <a:lstStyle/>
+                    <a:p>
+                      <a:pPr algn="ctr"/>
+                      <a:r>
+                        <a:rPr lang="en-US" sz="2000" dirty="0">
+                          <a:solidFill>
+                            <a:srgbClr val="FF0000"/>
+                          </a:solidFill>
+                        </a:rPr>
+                        <a:t>3</a:t>
+                      </a:r>
+                      <a:endParaRPr lang="en-SE" sz="2000" dirty="0">
+                        <a:solidFill>
+                          <a:srgbClr val="FF0000"/>
+                        </a:solidFill>
+                      </a:endParaRPr>
+                    </a:p>
+                  </a:txBody>
+                  <a:tcPr anchor="ctr"/>
+                </a:tc>
+                <a:tc>
+                  <a:txBody>
+                    <a:bodyPr/>
+                    <a:lstStyle/>
+                    <a:p>
+                      <a:pPr algn="ctr"/>
+                      <a:r>
+                        <a:rPr lang="en-US" sz="2000" dirty="0">
+                          <a:solidFill>
+                            <a:srgbClr val="FF0000"/>
+                          </a:solidFill>
+                        </a:rPr>
+                        <a:t>4</a:t>
+                      </a:r>
+                      <a:endParaRPr lang="en-SE" sz="2000" dirty="0">
+                        <a:solidFill>
+                          <a:srgbClr val="FF0000"/>
+                        </a:solidFill>
+                      </a:endParaRPr>
+                    </a:p>
+                  </a:txBody>
+                  <a:tcPr anchor="ctr"/>
+                </a:tc>
+                <a:tc>
+                  <a:txBody>
+                    <a:bodyPr/>
+                    <a:lstStyle/>
+                    <a:p>
+                      <a:pPr algn="ctr"/>
+                      <a:r>
+                        <a:rPr lang="en-US" sz="2000" dirty="0"/>
+                        <a:t>2</a:t>
+                      </a:r>
+                      <a:endParaRPr lang="en-SE" sz="2000" dirty="0"/>
+                    </a:p>
+                  </a:txBody>
+                  <a:tcPr anchor="ctr"/>
+                </a:tc>
+                <a:tc>
+                  <a:txBody>
+                    <a:bodyPr/>
+                    <a:lstStyle/>
+                    <a:p>
+                      <a:pPr algn="ctr"/>
+                      <a:r>
+                        <a:rPr lang="en-US" sz="2000" dirty="0"/>
+                        <a:t>1</a:t>
+                      </a:r>
+                      <a:endParaRPr lang="en-SE" sz="2000" dirty="0"/>
+                    </a:p>
+                  </a:txBody>
+                  <a:tcPr anchor="ctr"/>
+                </a:tc>
+                <a:tc>
+                  <a:txBody>
+                    <a:bodyPr/>
+                    <a:lstStyle/>
+                    <a:p>
+                      <a:pPr algn="ctr"/>
+                      <a:r>
+                        <a:rPr lang="en-US" sz="2000" dirty="0"/>
+                        <a:t>0</a:t>
+                      </a:r>
+                      <a:endParaRPr lang="en-SE" sz="2000" dirty="0"/>
+                    </a:p>
+                  </a:txBody>
+                  <a:tcPr anchor="ctr"/>
+                </a:tc>
+                <a:tc>
+                  <a:txBody>
+                    <a:bodyPr/>
+                    <a:lstStyle/>
+                    <a:p>
+                      <a:pPr algn="ctr"/>
+                      <a:r>
+                        <a:rPr lang="en-US" sz="2000" dirty="0"/>
+                        <a:t>5</a:t>
+                      </a:r>
+                      <a:endParaRPr lang="en-SE" sz="2000" dirty="0"/>
+                    </a:p>
+                  </a:txBody>
+                  <a:tcPr anchor="ctr"/>
+                </a:tc>
+                <a:extLst>
+                  <a:ext uri="{0D108BD9-81ED-4DB2-BD59-A6C34878D82A}">
+                    <a16:rowId xmlns:a16="http://schemas.microsoft.com/office/drawing/2014/main" val="3643504535"/>
+                  </a:ext>
+                </a:extLst>
+              </a:tr>
+            </a:tbl>
+          </a:graphicData>
+        </a:graphic>
+      </p:graphicFrame>
+      <p:cxnSp>
+        <p:nvCxnSpPr>
+          <p:cNvPr id="13" name="Straight Arrow Connector 12">
+            <a:extLst>
+              <a:ext uri="{FF2B5EF4-FFF2-40B4-BE49-F238E27FC236}">
+                <a16:creationId xmlns:a16="http://schemas.microsoft.com/office/drawing/2014/main" id="{C0E7560B-7369-823B-073B-B714770C0132}"/>
+              </a:ext>
+            </a:extLst>
+          </p:cNvPr>
+          <p:cNvCxnSpPr>
+            <a:cxnSpLocks/>
+          </p:cNvCxnSpPr>
+          <p:nvPr/>
+        </p:nvCxnSpPr>
+        <p:spPr bwMode="auto">
+          <a:xfrm>
+            <a:off x="5561104" y="1878648"/>
+            <a:ext cx="1150336" cy="0"/>
+          </a:xfrm>
+          <a:prstGeom prst="straightConnector1">
+            <a:avLst/>
+          </a:prstGeom>
+          <a:solidFill>
+            <a:schemeClr val="bg1"/>
+          </a:solidFill>
+          <a:ln w="28575" cap="flat" cmpd="sng" algn="ctr">
+            <a:solidFill>
+              <a:schemeClr val="tx1"/>
+            </a:solidFill>
+            <a:prstDash val="solid"/>
+            <a:round/>
+            <a:headEnd type="none" w="med" len="med"/>
+            <a:tailEnd type="arrow" w="med" len="med"/>
+          </a:ln>
+          <a:effectLst/>
+          <a:extLst>
+            <a:ext uri="{AF507438-7753-43e0-B8FC-AC1667EBCBE1}">
+              <a14:hiddenEffects xmlns="" xmlns:a14="http://schemas.microsoft.com/office/drawing/2010/main">
+                <a:effectLst>
+                  <a:outerShdw dist="35921" dir="2700000" algn="ctr" rotWithShape="0">
+                    <a:schemeClr val="bg2"/>
+                  </a:outerShdw>
+                </a:effectLst>
+              </a14:hiddenEffects>
+            </a:ext>
+          </a:extLst>
+        </p:spPr>
+      </p:cxnSp>
+      <p:sp>
+        <p:nvSpPr>
+          <p:cNvPr id="15" name="TextBox 14">
+            <a:extLst>
+              <a:ext uri="{FF2B5EF4-FFF2-40B4-BE49-F238E27FC236}">
+                <a16:creationId xmlns:a16="http://schemas.microsoft.com/office/drawing/2014/main" id="{CE266CDA-C702-6A4A-2B6E-625EF522A3F7}"/>
+              </a:ext>
+            </a:extLst>
+          </p:cNvPr>
+          <p:cNvSpPr txBox="1"/>
+          <p:nvPr/>
+        </p:nvSpPr>
+        <p:spPr>
+          <a:xfrm>
+            <a:off x="5721000" y="1540094"/>
+            <a:ext cx="995410" cy="338554"/>
+          </a:xfrm>
+          <a:prstGeom prst="rect">
+            <a:avLst/>
+          </a:prstGeom>
+          <a:noFill/>
+        </p:spPr>
+        <p:txBody>
+          <a:bodyPr wrap="square">
+            <a:spAutoFit/>
+          </a:bodyPr>
+          <a:lstStyle/>
+          <a:p>
+            <a:r>
+              <a:rPr lang="en-US" altLang="zh-CN" sz="1600" b="0" dirty="0">
+                <a:latin typeface="Arial" panose="020B0604020202020204" pitchFamily="34" charset="0"/>
+                <a:cs typeface="Arial" panose="020B0604020202020204" pitchFamily="34" charset="0"/>
+              </a:rPr>
+              <a:t>Insert 3</a:t>
+            </a:r>
+            <a:endParaRPr lang="en-SE" sz="1600" b="0" dirty="0">
+              <a:latin typeface="Arial" panose="020B0604020202020204" pitchFamily="34" charset="0"/>
+              <a:cs typeface="Arial" panose="020B0604020202020204" pitchFamily="34" charset="0"/>
+            </a:endParaRPr>
+          </a:p>
+        </p:txBody>
+      </p:sp>
+      <p:graphicFrame>
+        <p:nvGraphicFramePr>
+          <p:cNvPr id="16" name="Content Placeholder 3">
+            <a:extLst>
+              <a:ext uri="{FF2B5EF4-FFF2-40B4-BE49-F238E27FC236}">
+                <a16:creationId xmlns:a16="http://schemas.microsoft.com/office/drawing/2014/main" id="{8FD1E81F-CA5B-CF0B-8A47-7F2E19246318}"/>
+              </a:ext>
+            </a:extLst>
+          </p:cNvPr>
+          <p:cNvGraphicFramePr>
+            <a:graphicFrameLocks/>
+          </p:cNvGraphicFramePr>
+          <p:nvPr/>
+        </p:nvGraphicFramePr>
+        <p:xfrm>
+          <a:off x="1374005" y="2634022"/>
+          <a:ext cx="4397826" cy="457200"/>
+        </p:xfrm>
+        <a:graphic>
+          <a:graphicData uri="http://schemas.openxmlformats.org/drawingml/2006/table">
+            <a:tbl>
+              <a:tblPr firstRow="1" bandRow="1">
+                <a:tableStyleId>{5940675A-B579-460E-94D1-54222C63F5DA}</a:tableStyleId>
+              </a:tblPr>
+              <a:tblGrid>
+                <a:gridCol w="732971">
+                  <a:extLst>
+                    <a:ext uri="{9D8B030D-6E8A-4147-A177-3AD203B41FA5}">
+                      <a16:colId xmlns:a16="http://schemas.microsoft.com/office/drawing/2014/main" val="1092347686"/>
+                    </a:ext>
+                  </a:extLst>
+                </a:gridCol>
+                <a:gridCol w="732971">
+                  <a:extLst>
+                    <a:ext uri="{9D8B030D-6E8A-4147-A177-3AD203B41FA5}">
+                      <a16:colId xmlns:a16="http://schemas.microsoft.com/office/drawing/2014/main" val="3808001989"/>
+                    </a:ext>
+                  </a:extLst>
+                </a:gridCol>
+                <a:gridCol w="732971">
+                  <a:extLst>
+                    <a:ext uri="{9D8B030D-6E8A-4147-A177-3AD203B41FA5}">
+                      <a16:colId xmlns:a16="http://schemas.microsoft.com/office/drawing/2014/main" val="1745240979"/>
+                    </a:ext>
+                  </a:extLst>
+                </a:gridCol>
+                <a:gridCol w="732971">
+                  <a:extLst>
+                    <a:ext uri="{9D8B030D-6E8A-4147-A177-3AD203B41FA5}">
+                      <a16:colId xmlns:a16="http://schemas.microsoft.com/office/drawing/2014/main" val="830981527"/>
+                    </a:ext>
+                  </a:extLst>
+                </a:gridCol>
+                <a:gridCol w="732971">
+                  <a:extLst>
+                    <a:ext uri="{9D8B030D-6E8A-4147-A177-3AD203B41FA5}">
+                      <a16:colId xmlns:a16="http://schemas.microsoft.com/office/drawing/2014/main" val="323891662"/>
+                    </a:ext>
+                  </a:extLst>
+                </a:gridCol>
+                <a:gridCol w="732971">
+                  <a:extLst>
+                    <a:ext uri="{9D8B030D-6E8A-4147-A177-3AD203B41FA5}">
+                      <a16:colId xmlns:a16="http://schemas.microsoft.com/office/drawing/2014/main" val="3598847113"/>
+                    </a:ext>
+                  </a:extLst>
+                </a:gridCol>
+              </a:tblGrid>
+              <a:tr h="457200">
+                <a:tc>
+                  <a:txBody>
+                    <a:bodyPr/>
+                    <a:lstStyle/>
+                    <a:p>
+                      <a:pPr algn="ctr"/>
+                      <a:r>
+                        <a:rPr lang="en-US" sz="2000" dirty="0">
+                          <a:solidFill>
+                            <a:srgbClr val="FF0000"/>
+                          </a:solidFill>
+                        </a:rPr>
+                        <a:t>2</a:t>
+                      </a:r>
+                      <a:endParaRPr lang="en-SE" sz="2000" dirty="0">
+                        <a:solidFill>
+                          <a:srgbClr val="FF0000"/>
+                        </a:solidFill>
+                      </a:endParaRPr>
+                    </a:p>
+                  </a:txBody>
+                  <a:tcPr anchor="ctr"/>
+                </a:tc>
+                <a:tc>
+                  <a:txBody>
+                    <a:bodyPr/>
+                    <a:lstStyle/>
+                    <a:p>
+                      <a:pPr algn="ctr"/>
+                      <a:r>
+                        <a:rPr lang="en-US" sz="2000" dirty="0">
+                          <a:solidFill>
+                            <a:srgbClr val="FF0000"/>
+                          </a:solidFill>
+                        </a:rPr>
+                        <a:t>3</a:t>
+                      </a:r>
+                      <a:endParaRPr lang="en-SE" sz="2000" dirty="0">
+                        <a:solidFill>
+                          <a:srgbClr val="FF0000"/>
+                        </a:solidFill>
+                      </a:endParaRPr>
+                    </a:p>
+                  </a:txBody>
+                  <a:tcPr anchor="ctr"/>
+                </a:tc>
+                <a:tc>
+                  <a:txBody>
+                    <a:bodyPr/>
+                    <a:lstStyle/>
+                    <a:p>
+                      <a:pPr algn="ctr"/>
+                      <a:r>
+                        <a:rPr lang="en-US" sz="2000" dirty="0">
+                          <a:solidFill>
+                            <a:srgbClr val="FF0000"/>
+                          </a:solidFill>
+                        </a:rPr>
+                        <a:t>4</a:t>
+                      </a:r>
+                      <a:endParaRPr lang="en-SE" sz="2000" dirty="0">
+                        <a:solidFill>
+                          <a:srgbClr val="FF0000"/>
+                        </a:solidFill>
+                      </a:endParaRPr>
+                    </a:p>
+                  </a:txBody>
+                  <a:tcPr anchor="ctr"/>
+                </a:tc>
+                <a:tc>
+                  <a:txBody>
+                    <a:bodyPr/>
+                    <a:lstStyle/>
+                    <a:p>
+                      <a:pPr algn="ctr"/>
+                      <a:r>
+                        <a:rPr lang="en-US" sz="2000" dirty="0"/>
+                        <a:t>1</a:t>
+                      </a:r>
+                      <a:endParaRPr lang="en-SE" sz="2000" dirty="0"/>
+                    </a:p>
+                  </a:txBody>
+                  <a:tcPr anchor="ctr"/>
+                </a:tc>
+                <a:tc>
+                  <a:txBody>
+                    <a:bodyPr/>
+                    <a:lstStyle/>
+                    <a:p>
+                      <a:pPr algn="ctr"/>
+                      <a:r>
+                        <a:rPr lang="en-US" sz="2000" dirty="0"/>
+                        <a:t>0</a:t>
+                      </a:r>
+                      <a:endParaRPr lang="en-SE" sz="2000" dirty="0"/>
+                    </a:p>
+                  </a:txBody>
+                  <a:tcPr anchor="ctr"/>
+                </a:tc>
+                <a:tc>
+                  <a:txBody>
+                    <a:bodyPr/>
+                    <a:lstStyle/>
+                    <a:p>
+                      <a:pPr algn="ctr"/>
+                      <a:r>
+                        <a:rPr lang="en-US" sz="2000" dirty="0"/>
+                        <a:t>5</a:t>
+                      </a:r>
+                      <a:endParaRPr lang="en-SE" sz="2000" dirty="0"/>
+                    </a:p>
+                  </a:txBody>
+                  <a:tcPr anchor="ctr"/>
+                </a:tc>
+                <a:extLst>
+                  <a:ext uri="{0D108BD9-81ED-4DB2-BD59-A6C34878D82A}">
+                    <a16:rowId xmlns:a16="http://schemas.microsoft.com/office/drawing/2014/main" val="3643504535"/>
+                  </a:ext>
+                </a:extLst>
+              </a:tr>
+            </a:tbl>
+          </a:graphicData>
+        </a:graphic>
+      </p:graphicFrame>
+      <p:cxnSp>
+        <p:nvCxnSpPr>
+          <p:cNvPr id="17" name="Straight Arrow Connector 16">
+            <a:extLst>
+              <a:ext uri="{FF2B5EF4-FFF2-40B4-BE49-F238E27FC236}">
+                <a16:creationId xmlns:a16="http://schemas.microsoft.com/office/drawing/2014/main" id="{AD584749-E67A-31B8-6288-04B97D66E991}"/>
+              </a:ext>
+            </a:extLst>
+          </p:cNvPr>
+          <p:cNvCxnSpPr>
+            <a:cxnSpLocks/>
+          </p:cNvCxnSpPr>
+          <p:nvPr/>
+        </p:nvCxnSpPr>
+        <p:spPr bwMode="auto">
+          <a:xfrm>
+            <a:off x="169991" y="2854008"/>
+            <a:ext cx="1150336" cy="0"/>
+          </a:xfrm>
+          <a:prstGeom prst="straightConnector1">
+            <a:avLst/>
+          </a:prstGeom>
+          <a:solidFill>
+            <a:schemeClr val="bg1"/>
+          </a:solidFill>
+          <a:ln w="28575" cap="flat" cmpd="sng" algn="ctr">
+            <a:solidFill>
+              <a:schemeClr val="tx1"/>
+            </a:solidFill>
+            <a:prstDash val="solid"/>
+            <a:round/>
+            <a:headEnd type="none" w="med" len="med"/>
+            <a:tailEnd type="arrow" w="med" len="med"/>
+          </a:ln>
+          <a:effectLst/>
+          <a:extLst>
+            <a:ext uri="{AF507438-7753-43e0-B8FC-AC1667EBCBE1}">
+              <a14:hiddenEffects xmlns="" xmlns:a14="http://schemas.microsoft.com/office/drawing/2010/main">
+                <a:effectLst>
+                  <a:outerShdw dist="35921" dir="2700000" algn="ctr" rotWithShape="0">
+                    <a:schemeClr val="bg2"/>
+                  </a:outerShdw>
+                </a:effectLst>
+              </a14:hiddenEffects>
+            </a:ext>
+          </a:extLst>
+        </p:spPr>
+      </p:cxnSp>
+      <p:sp>
+        <p:nvSpPr>
+          <p:cNvPr id="18" name="TextBox 17">
+            <a:extLst>
+              <a:ext uri="{FF2B5EF4-FFF2-40B4-BE49-F238E27FC236}">
+                <a16:creationId xmlns:a16="http://schemas.microsoft.com/office/drawing/2014/main" id="{4EED1ED2-FC9D-96E0-6D41-9285D0CA3E12}"/>
+              </a:ext>
+            </a:extLst>
+          </p:cNvPr>
+          <p:cNvSpPr txBox="1"/>
+          <p:nvPr/>
+        </p:nvSpPr>
+        <p:spPr>
+          <a:xfrm>
+            <a:off x="251595" y="2518767"/>
+            <a:ext cx="1052523" cy="338554"/>
+          </a:xfrm>
+          <a:prstGeom prst="rect">
+            <a:avLst/>
+          </a:prstGeom>
+          <a:noFill/>
+        </p:spPr>
+        <p:txBody>
+          <a:bodyPr wrap="square">
+            <a:spAutoFit/>
+          </a:bodyPr>
+          <a:lstStyle/>
+          <a:p>
+            <a:r>
+              <a:rPr lang="en-US" altLang="zh-CN" sz="1600" b="0" dirty="0">
+                <a:latin typeface="Arial" panose="020B0604020202020204" pitchFamily="34" charset="0"/>
+                <a:cs typeface="Arial" panose="020B0604020202020204" pitchFamily="34" charset="0"/>
+              </a:rPr>
+              <a:t>Insert 2</a:t>
+            </a:r>
+            <a:endParaRPr lang="en-SE" sz="1600" b="0" dirty="0">
+              <a:latin typeface="Arial" panose="020B0604020202020204" pitchFamily="34" charset="0"/>
+              <a:cs typeface="Arial" panose="020B0604020202020204" pitchFamily="34" charset="0"/>
+            </a:endParaRPr>
+          </a:p>
+        </p:txBody>
+      </p:sp>
+      <p:graphicFrame>
+        <p:nvGraphicFramePr>
+          <p:cNvPr id="21" name="Content Placeholder 3">
+            <a:extLst>
+              <a:ext uri="{FF2B5EF4-FFF2-40B4-BE49-F238E27FC236}">
+                <a16:creationId xmlns:a16="http://schemas.microsoft.com/office/drawing/2014/main" id="{9602766A-1751-9FC0-CD88-212D92F86D45}"/>
+              </a:ext>
+            </a:extLst>
+          </p:cNvPr>
+          <p:cNvGraphicFramePr>
+            <a:graphicFrameLocks/>
+          </p:cNvGraphicFramePr>
+          <p:nvPr/>
+        </p:nvGraphicFramePr>
+        <p:xfrm>
+          <a:off x="7051261" y="2578777"/>
+          <a:ext cx="4397826" cy="457200"/>
+        </p:xfrm>
+        <a:graphic>
+          <a:graphicData uri="http://schemas.openxmlformats.org/drawingml/2006/table">
+            <a:tbl>
+              <a:tblPr firstRow="1" bandRow="1">
+                <a:tableStyleId>{5940675A-B579-460E-94D1-54222C63F5DA}</a:tableStyleId>
+              </a:tblPr>
+              <a:tblGrid>
+                <a:gridCol w="732971">
+                  <a:extLst>
+                    <a:ext uri="{9D8B030D-6E8A-4147-A177-3AD203B41FA5}">
+                      <a16:colId xmlns:a16="http://schemas.microsoft.com/office/drawing/2014/main" val="1092347686"/>
+                    </a:ext>
+                  </a:extLst>
+                </a:gridCol>
+                <a:gridCol w="732971">
+                  <a:extLst>
+                    <a:ext uri="{9D8B030D-6E8A-4147-A177-3AD203B41FA5}">
+                      <a16:colId xmlns:a16="http://schemas.microsoft.com/office/drawing/2014/main" val="3808001989"/>
+                    </a:ext>
+                  </a:extLst>
+                </a:gridCol>
+                <a:gridCol w="732971">
+                  <a:extLst>
+                    <a:ext uri="{9D8B030D-6E8A-4147-A177-3AD203B41FA5}">
+                      <a16:colId xmlns:a16="http://schemas.microsoft.com/office/drawing/2014/main" val="1745240979"/>
+                    </a:ext>
+                  </a:extLst>
+                </a:gridCol>
+                <a:gridCol w="732971">
+                  <a:extLst>
+                    <a:ext uri="{9D8B030D-6E8A-4147-A177-3AD203B41FA5}">
+                      <a16:colId xmlns:a16="http://schemas.microsoft.com/office/drawing/2014/main" val="830981527"/>
+                    </a:ext>
+                  </a:extLst>
+                </a:gridCol>
+                <a:gridCol w="732971">
+                  <a:extLst>
+                    <a:ext uri="{9D8B030D-6E8A-4147-A177-3AD203B41FA5}">
+                      <a16:colId xmlns:a16="http://schemas.microsoft.com/office/drawing/2014/main" val="323891662"/>
+                    </a:ext>
+                  </a:extLst>
+                </a:gridCol>
+                <a:gridCol w="732971">
+                  <a:extLst>
+                    <a:ext uri="{9D8B030D-6E8A-4147-A177-3AD203B41FA5}">
+                      <a16:colId xmlns:a16="http://schemas.microsoft.com/office/drawing/2014/main" val="3598847113"/>
+                    </a:ext>
+                  </a:extLst>
+                </a:gridCol>
+              </a:tblGrid>
+              <a:tr h="457200">
+                <a:tc>
+                  <a:txBody>
+                    <a:bodyPr/>
+                    <a:lstStyle/>
+                    <a:p>
+                      <a:pPr algn="ctr"/>
+                      <a:r>
+                        <a:rPr lang="en-US" sz="2000" dirty="0">
+                          <a:solidFill>
+                            <a:srgbClr val="FF0000"/>
+                          </a:solidFill>
+                        </a:rPr>
+                        <a:t>1</a:t>
+                      </a:r>
+                      <a:endParaRPr lang="en-SE" sz="2000" dirty="0">
+                        <a:solidFill>
+                          <a:srgbClr val="FF0000"/>
+                        </a:solidFill>
+                      </a:endParaRPr>
+                    </a:p>
+                  </a:txBody>
+                  <a:tcPr anchor="ctr"/>
+                </a:tc>
+                <a:tc>
+                  <a:txBody>
+                    <a:bodyPr/>
+                    <a:lstStyle/>
+                    <a:p>
+                      <a:pPr algn="ctr"/>
+                      <a:r>
+                        <a:rPr lang="en-US" sz="2000" dirty="0">
+                          <a:solidFill>
+                            <a:srgbClr val="FF0000"/>
+                          </a:solidFill>
+                        </a:rPr>
+                        <a:t>2</a:t>
+                      </a:r>
+                      <a:endParaRPr lang="en-SE" sz="2000" dirty="0">
+                        <a:solidFill>
+                          <a:srgbClr val="FF0000"/>
+                        </a:solidFill>
+                      </a:endParaRPr>
+                    </a:p>
+                  </a:txBody>
+                  <a:tcPr anchor="ctr"/>
+                </a:tc>
+                <a:tc>
+                  <a:txBody>
+                    <a:bodyPr/>
+                    <a:lstStyle/>
+                    <a:p>
+                      <a:pPr algn="ctr"/>
+                      <a:r>
+                        <a:rPr lang="en-US" sz="2000" dirty="0">
+                          <a:solidFill>
+                            <a:srgbClr val="FF0000"/>
+                          </a:solidFill>
+                        </a:rPr>
+                        <a:t>3</a:t>
+                      </a:r>
+                      <a:endParaRPr lang="en-SE" sz="2000" dirty="0">
+                        <a:solidFill>
+                          <a:srgbClr val="FF0000"/>
+                        </a:solidFill>
+                      </a:endParaRPr>
+                    </a:p>
+                  </a:txBody>
+                  <a:tcPr anchor="ctr"/>
+                </a:tc>
+                <a:tc>
+                  <a:txBody>
+                    <a:bodyPr/>
+                    <a:lstStyle/>
+                    <a:p>
+                      <a:pPr algn="ctr"/>
+                      <a:r>
+                        <a:rPr lang="en-US" sz="2000" dirty="0">
+                          <a:solidFill>
+                            <a:srgbClr val="FF0000"/>
+                          </a:solidFill>
+                        </a:rPr>
+                        <a:t>4</a:t>
+                      </a:r>
+                      <a:endParaRPr lang="en-SE" sz="2000" dirty="0">
+                        <a:solidFill>
+                          <a:srgbClr val="FF0000"/>
+                        </a:solidFill>
+                      </a:endParaRPr>
+                    </a:p>
+                  </a:txBody>
+                  <a:tcPr anchor="ctr"/>
+                </a:tc>
+                <a:tc>
+                  <a:txBody>
+                    <a:bodyPr/>
+                    <a:lstStyle/>
+                    <a:p>
+                      <a:pPr algn="ctr"/>
+                      <a:r>
+                        <a:rPr lang="en-US" sz="2000" dirty="0"/>
+                        <a:t>0</a:t>
+                      </a:r>
+                      <a:endParaRPr lang="en-SE" sz="2000" dirty="0"/>
+                    </a:p>
+                  </a:txBody>
+                  <a:tcPr anchor="ctr"/>
+                </a:tc>
+                <a:tc>
+                  <a:txBody>
+                    <a:bodyPr/>
+                    <a:lstStyle/>
+                    <a:p>
+                      <a:pPr algn="ctr"/>
+                      <a:r>
+                        <a:rPr lang="en-US" sz="2000" dirty="0"/>
+                        <a:t>5</a:t>
+                      </a:r>
+                      <a:endParaRPr lang="en-SE" sz="2000" dirty="0"/>
+                    </a:p>
+                  </a:txBody>
+                  <a:tcPr anchor="ctr"/>
+                </a:tc>
+                <a:extLst>
+                  <a:ext uri="{0D108BD9-81ED-4DB2-BD59-A6C34878D82A}">
+                    <a16:rowId xmlns:a16="http://schemas.microsoft.com/office/drawing/2014/main" val="3643504535"/>
+                  </a:ext>
+                </a:extLst>
+              </a:tr>
+            </a:tbl>
+          </a:graphicData>
+        </a:graphic>
+      </p:graphicFrame>
+      <p:cxnSp>
+        <p:nvCxnSpPr>
+          <p:cNvPr id="22" name="Straight Arrow Connector 21">
+            <a:extLst>
+              <a:ext uri="{FF2B5EF4-FFF2-40B4-BE49-F238E27FC236}">
+                <a16:creationId xmlns:a16="http://schemas.microsoft.com/office/drawing/2014/main" id="{66CEFDCA-4351-9459-32E4-C0ACB8A0155A}"/>
+              </a:ext>
+            </a:extLst>
+          </p:cNvPr>
+          <p:cNvCxnSpPr>
+            <a:cxnSpLocks/>
+          </p:cNvCxnSpPr>
+          <p:nvPr/>
+        </p:nvCxnSpPr>
+        <p:spPr bwMode="auto">
+          <a:xfrm>
+            <a:off x="5847247" y="2798763"/>
+            <a:ext cx="1150336" cy="0"/>
+          </a:xfrm>
+          <a:prstGeom prst="straightConnector1">
+            <a:avLst/>
+          </a:prstGeom>
+          <a:solidFill>
+            <a:schemeClr val="bg1"/>
+          </a:solidFill>
+          <a:ln w="28575" cap="flat" cmpd="sng" algn="ctr">
+            <a:solidFill>
+              <a:schemeClr val="tx1"/>
+            </a:solidFill>
+            <a:prstDash val="solid"/>
+            <a:round/>
+            <a:headEnd type="none" w="med" len="med"/>
+            <a:tailEnd type="arrow" w="med" len="med"/>
+          </a:ln>
+          <a:effectLst/>
+          <a:extLst>
+            <a:ext uri="{AF507438-7753-43e0-B8FC-AC1667EBCBE1}">
+              <a14:hiddenEffects xmlns="" xmlns:a14="http://schemas.microsoft.com/office/drawing/2010/main">
+                <a:effectLst>
+                  <a:outerShdw dist="35921" dir="2700000" algn="ctr" rotWithShape="0">
+                    <a:schemeClr val="bg2"/>
+                  </a:outerShdw>
+                </a:effectLst>
+              </a14:hiddenEffects>
+            </a:ext>
+          </a:extLst>
+        </p:spPr>
+      </p:cxnSp>
+      <p:sp>
+        <p:nvSpPr>
+          <p:cNvPr id="23" name="TextBox 22">
+            <a:extLst>
+              <a:ext uri="{FF2B5EF4-FFF2-40B4-BE49-F238E27FC236}">
+                <a16:creationId xmlns:a16="http://schemas.microsoft.com/office/drawing/2014/main" id="{92547BF5-2D8A-6960-4C6E-29AB7A44298E}"/>
+              </a:ext>
+            </a:extLst>
+          </p:cNvPr>
+          <p:cNvSpPr txBox="1"/>
+          <p:nvPr/>
+        </p:nvSpPr>
+        <p:spPr>
+          <a:xfrm>
+            <a:off x="5928851" y="2463522"/>
+            <a:ext cx="1052523" cy="338554"/>
+          </a:xfrm>
+          <a:prstGeom prst="rect">
+            <a:avLst/>
+          </a:prstGeom>
+          <a:noFill/>
+        </p:spPr>
+        <p:txBody>
+          <a:bodyPr wrap="square">
+            <a:spAutoFit/>
+          </a:bodyPr>
+          <a:lstStyle/>
+          <a:p>
+            <a:r>
+              <a:rPr lang="en-US" altLang="zh-CN" sz="1600" b="0" dirty="0">
+                <a:latin typeface="Arial" panose="020B0604020202020204" pitchFamily="34" charset="0"/>
+                <a:cs typeface="Arial" panose="020B0604020202020204" pitchFamily="34" charset="0"/>
+              </a:rPr>
+              <a:t>Insert 1</a:t>
+            </a:r>
+            <a:endParaRPr lang="en-SE" sz="1600" b="0" dirty="0">
+              <a:latin typeface="Arial" panose="020B0604020202020204" pitchFamily="34" charset="0"/>
+              <a:cs typeface="Arial" panose="020B0604020202020204" pitchFamily="34" charset="0"/>
+            </a:endParaRPr>
+          </a:p>
+        </p:txBody>
+      </p:sp>
+      <p:graphicFrame>
+        <p:nvGraphicFramePr>
+          <p:cNvPr id="24" name="Content Placeholder 3">
+            <a:extLst>
+              <a:ext uri="{FF2B5EF4-FFF2-40B4-BE49-F238E27FC236}">
+                <a16:creationId xmlns:a16="http://schemas.microsoft.com/office/drawing/2014/main" id="{2E90573C-2650-CE6E-18C9-3FAE1EEFB091}"/>
+              </a:ext>
+            </a:extLst>
+          </p:cNvPr>
+          <p:cNvGraphicFramePr>
+            <a:graphicFrameLocks/>
+          </p:cNvGraphicFramePr>
+          <p:nvPr/>
+        </p:nvGraphicFramePr>
+        <p:xfrm>
+          <a:off x="1346365" y="3719642"/>
+          <a:ext cx="4397826" cy="457200"/>
+        </p:xfrm>
+        <a:graphic>
+          <a:graphicData uri="http://schemas.openxmlformats.org/drawingml/2006/table">
+            <a:tbl>
+              <a:tblPr firstRow="1" bandRow="1">
+                <a:tableStyleId>{5940675A-B579-460E-94D1-54222C63F5DA}</a:tableStyleId>
+              </a:tblPr>
+              <a:tblGrid>
+                <a:gridCol w="732971">
+                  <a:extLst>
+                    <a:ext uri="{9D8B030D-6E8A-4147-A177-3AD203B41FA5}">
+                      <a16:colId xmlns:a16="http://schemas.microsoft.com/office/drawing/2014/main" val="1092347686"/>
+                    </a:ext>
+                  </a:extLst>
+                </a:gridCol>
+                <a:gridCol w="732971">
+                  <a:extLst>
+                    <a:ext uri="{9D8B030D-6E8A-4147-A177-3AD203B41FA5}">
+                      <a16:colId xmlns:a16="http://schemas.microsoft.com/office/drawing/2014/main" val="3808001989"/>
+                    </a:ext>
+                  </a:extLst>
+                </a:gridCol>
+                <a:gridCol w="732971">
+                  <a:extLst>
+                    <a:ext uri="{9D8B030D-6E8A-4147-A177-3AD203B41FA5}">
+                      <a16:colId xmlns:a16="http://schemas.microsoft.com/office/drawing/2014/main" val="1745240979"/>
+                    </a:ext>
+                  </a:extLst>
+                </a:gridCol>
+                <a:gridCol w="732971">
+                  <a:extLst>
+                    <a:ext uri="{9D8B030D-6E8A-4147-A177-3AD203B41FA5}">
+                      <a16:colId xmlns:a16="http://schemas.microsoft.com/office/drawing/2014/main" val="830981527"/>
+                    </a:ext>
+                  </a:extLst>
+                </a:gridCol>
+                <a:gridCol w="732971">
+                  <a:extLst>
+                    <a:ext uri="{9D8B030D-6E8A-4147-A177-3AD203B41FA5}">
+                      <a16:colId xmlns:a16="http://schemas.microsoft.com/office/drawing/2014/main" val="323891662"/>
+                    </a:ext>
+                  </a:extLst>
+                </a:gridCol>
+                <a:gridCol w="732971">
+                  <a:extLst>
+                    <a:ext uri="{9D8B030D-6E8A-4147-A177-3AD203B41FA5}">
+                      <a16:colId xmlns:a16="http://schemas.microsoft.com/office/drawing/2014/main" val="3598847113"/>
+                    </a:ext>
+                  </a:extLst>
+                </a:gridCol>
+              </a:tblGrid>
+              <a:tr h="457200">
+                <a:tc>
+                  <a:txBody>
+                    <a:bodyPr/>
+                    <a:lstStyle/>
+                    <a:p>
+                      <a:pPr algn="ctr"/>
+                      <a:r>
+                        <a:rPr lang="en-US" sz="2000" dirty="0">
+                          <a:solidFill>
+                            <a:srgbClr val="FF0000"/>
+                          </a:solidFill>
+                        </a:rPr>
+                        <a:t>0</a:t>
+                      </a:r>
+                      <a:endParaRPr lang="en-SE" sz="2000" dirty="0">
+                        <a:solidFill>
+                          <a:srgbClr val="FF0000"/>
+                        </a:solidFill>
+                      </a:endParaRPr>
+                    </a:p>
+                  </a:txBody>
+                  <a:tcPr anchor="ctr"/>
+                </a:tc>
+                <a:tc>
+                  <a:txBody>
+                    <a:bodyPr/>
+                    <a:lstStyle/>
+                    <a:p>
+                      <a:pPr algn="ctr"/>
+                      <a:r>
+                        <a:rPr lang="en-US" sz="2000" dirty="0">
+                          <a:solidFill>
+                            <a:srgbClr val="FF0000"/>
+                          </a:solidFill>
+                        </a:rPr>
+                        <a:t>1</a:t>
+                      </a:r>
+                      <a:endParaRPr lang="en-SE" sz="2000" dirty="0">
+                        <a:solidFill>
+                          <a:srgbClr val="FF0000"/>
+                        </a:solidFill>
+                      </a:endParaRPr>
+                    </a:p>
+                  </a:txBody>
+                  <a:tcPr anchor="ctr"/>
+                </a:tc>
+                <a:tc>
+                  <a:txBody>
+                    <a:bodyPr/>
+                    <a:lstStyle/>
+                    <a:p>
+                      <a:pPr algn="ctr"/>
+                      <a:r>
+                        <a:rPr lang="en-US" sz="2000" dirty="0">
+                          <a:solidFill>
+                            <a:srgbClr val="FF0000"/>
+                          </a:solidFill>
+                        </a:rPr>
+                        <a:t>2</a:t>
+                      </a:r>
+                      <a:endParaRPr lang="en-SE" sz="2000" dirty="0">
+                        <a:solidFill>
+                          <a:srgbClr val="FF0000"/>
+                        </a:solidFill>
+                      </a:endParaRPr>
+                    </a:p>
+                  </a:txBody>
+                  <a:tcPr anchor="ctr"/>
+                </a:tc>
+                <a:tc>
+                  <a:txBody>
+                    <a:bodyPr/>
+                    <a:lstStyle/>
+                    <a:p>
+                      <a:pPr algn="ctr"/>
+                      <a:r>
+                        <a:rPr lang="en-US" sz="2000" dirty="0">
+                          <a:solidFill>
+                            <a:srgbClr val="FF0000"/>
+                          </a:solidFill>
+                        </a:rPr>
+                        <a:t>3</a:t>
+                      </a:r>
+                      <a:endParaRPr lang="en-SE" sz="2000" dirty="0">
+                        <a:solidFill>
+                          <a:srgbClr val="FF0000"/>
+                        </a:solidFill>
+                      </a:endParaRPr>
+                    </a:p>
+                  </a:txBody>
+                  <a:tcPr anchor="ctr"/>
+                </a:tc>
+                <a:tc>
+                  <a:txBody>
+                    <a:bodyPr/>
+                    <a:lstStyle/>
+                    <a:p>
+                      <a:pPr algn="ctr"/>
+                      <a:r>
+                        <a:rPr lang="en-US" sz="2000" dirty="0">
+                          <a:solidFill>
+                            <a:srgbClr val="FF0000"/>
+                          </a:solidFill>
+                        </a:rPr>
+                        <a:t>4</a:t>
+                      </a:r>
+                      <a:endParaRPr lang="en-SE" sz="2000" dirty="0">
+                        <a:solidFill>
+                          <a:srgbClr val="FF0000"/>
+                        </a:solidFill>
+                      </a:endParaRPr>
+                    </a:p>
+                  </a:txBody>
+                  <a:tcPr anchor="ctr"/>
+                </a:tc>
+                <a:tc>
+                  <a:txBody>
+                    <a:bodyPr/>
+                    <a:lstStyle/>
+                    <a:p>
+                      <a:pPr algn="ctr"/>
+                      <a:r>
+                        <a:rPr lang="en-US" sz="2000" dirty="0"/>
+                        <a:t>5</a:t>
+                      </a:r>
+                      <a:endParaRPr lang="en-SE" sz="2000" dirty="0"/>
+                    </a:p>
+                  </a:txBody>
+                  <a:tcPr anchor="ctr"/>
+                </a:tc>
+                <a:extLst>
+                  <a:ext uri="{0D108BD9-81ED-4DB2-BD59-A6C34878D82A}">
+                    <a16:rowId xmlns:a16="http://schemas.microsoft.com/office/drawing/2014/main" val="3643504535"/>
+                  </a:ext>
+                </a:extLst>
+              </a:tr>
+            </a:tbl>
+          </a:graphicData>
+        </a:graphic>
+      </p:graphicFrame>
+      <p:cxnSp>
+        <p:nvCxnSpPr>
+          <p:cNvPr id="25" name="Straight Arrow Connector 24">
+            <a:extLst>
+              <a:ext uri="{FF2B5EF4-FFF2-40B4-BE49-F238E27FC236}">
+                <a16:creationId xmlns:a16="http://schemas.microsoft.com/office/drawing/2014/main" id="{26A3C573-E89E-756B-A9B7-30F6C907BB54}"/>
+              </a:ext>
+            </a:extLst>
+          </p:cNvPr>
+          <p:cNvCxnSpPr>
+            <a:cxnSpLocks/>
+          </p:cNvCxnSpPr>
+          <p:nvPr/>
+        </p:nvCxnSpPr>
+        <p:spPr bwMode="auto">
+          <a:xfrm>
+            <a:off x="142351" y="3939628"/>
+            <a:ext cx="1150336" cy="0"/>
+          </a:xfrm>
+          <a:prstGeom prst="straightConnector1">
+            <a:avLst/>
+          </a:prstGeom>
+          <a:solidFill>
+            <a:schemeClr val="bg1"/>
+          </a:solidFill>
+          <a:ln w="28575" cap="flat" cmpd="sng" algn="ctr">
+            <a:solidFill>
+              <a:schemeClr val="tx1"/>
+            </a:solidFill>
+            <a:prstDash val="solid"/>
+            <a:round/>
+            <a:headEnd type="none" w="med" len="med"/>
+            <a:tailEnd type="arrow" w="med" len="med"/>
+          </a:ln>
+          <a:effectLst/>
+          <a:extLst>
+            <a:ext uri="{AF507438-7753-43e0-B8FC-AC1667EBCBE1}">
+              <a14:hiddenEffects xmlns="" xmlns:a14="http://schemas.microsoft.com/office/drawing/2010/main">
+                <a:effectLst>
+                  <a:outerShdw dist="35921" dir="2700000" algn="ctr" rotWithShape="0">
+                    <a:schemeClr val="bg2"/>
+                  </a:outerShdw>
+                </a:effectLst>
+              </a14:hiddenEffects>
+            </a:ext>
+          </a:extLst>
+        </p:spPr>
+      </p:cxnSp>
+      <p:sp>
+        <p:nvSpPr>
+          <p:cNvPr id="26" name="TextBox 25">
+            <a:extLst>
+              <a:ext uri="{FF2B5EF4-FFF2-40B4-BE49-F238E27FC236}">
+                <a16:creationId xmlns:a16="http://schemas.microsoft.com/office/drawing/2014/main" id="{BEA422E3-FB6A-61C2-C93D-D4A4FBB5CDCC}"/>
+              </a:ext>
+            </a:extLst>
+          </p:cNvPr>
+          <p:cNvSpPr txBox="1"/>
+          <p:nvPr/>
+        </p:nvSpPr>
+        <p:spPr>
+          <a:xfrm>
+            <a:off x="223955" y="3604387"/>
+            <a:ext cx="1052523" cy="338554"/>
+          </a:xfrm>
+          <a:prstGeom prst="rect">
+            <a:avLst/>
+          </a:prstGeom>
+          <a:noFill/>
+        </p:spPr>
+        <p:txBody>
+          <a:bodyPr wrap="square">
+            <a:spAutoFit/>
+          </a:bodyPr>
+          <a:lstStyle/>
+          <a:p>
+            <a:r>
+              <a:rPr lang="en-US" altLang="zh-CN" sz="1600" b="0" dirty="0">
+                <a:latin typeface="Arial" panose="020B0604020202020204" pitchFamily="34" charset="0"/>
+                <a:cs typeface="Arial" panose="020B0604020202020204" pitchFamily="34" charset="0"/>
+              </a:rPr>
+              <a:t>Insert 0</a:t>
+            </a:r>
+            <a:endParaRPr lang="en-SE" sz="1600" b="0" dirty="0">
+              <a:latin typeface="Arial" panose="020B0604020202020204" pitchFamily="34" charset="0"/>
+              <a:cs typeface="Arial" panose="020B0604020202020204" pitchFamily="34" charset="0"/>
+            </a:endParaRPr>
+          </a:p>
+        </p:txBody>
+      </p:sp>
+      <p:graphicFrame>
+        <p:nvGraphicFramePr>
+          <p:cNvPr id="27" name="Content Placeholder 3">
+            <a:extLst>
+              <a:ext uri="{FF2B5EF4-FFF2-40B4-BE49-F238E27FC236}">
+                <a16:creationId xmlns:a16="http://schemas.microsoft.com/office/drawing/2014/main" id="{B86DFF35-A6B5-B8B7-5125-D1A292853669}"/>
+              </a:ext>
+            </a:extLst>
+          </p:cNvPr>
+          <p:cNvGraphicFramePr>
+            <a:graphicFrameLocks/>
+          </p:cNvGraphicFramePr>
+          <p:nvPr/>
+        </p:nvGraphicFramePr>
+        <p:xfrm>
+          <a:off x="7067826" y="3711028"/>
+          <a:ext cx="4397826" cy="457200"/>
+        </p:xfrm>
+        <a:graphic>
+          <a:graphicData uri="http://schemas.openxmlformats.org/drawingml/2006/table">
+            <a:tbl>
+              <a:tblPr firstRow="1" bandRow="1">
+                <a:tableStyleId>{5940675A-B579-460E-94D1-54222C63F5DA}</a:tableStyleId>
+              </a:tblPr>
+              <a:tblGrid>
+                <a:gridCol w="732971">
+                  <a:extLst>
+                    <a:ext uri="{9D8B030D-6E8A-4147-A177-3AD203B41FA5}">
+                      <a16:colId xmlns:a16="http://schemas.microsoft.com/office/drawing/2014/main" val="1092347686"/>
+                    </a:ext>
+                  </a:extLst>
+                </a:gridCol>
+                <a:gridCol w="732971">
+                  <a:extLst>
+                    <a:ext uri="{9D8B030D-6E8A-4147-A177-3AD203B41FA5}">
+                      <a16:colId xmlns:a16="http://schemas.microsoft.com/office/drawing/2014/main" val="3808001989"/>
+                    </a:ext>
+                  </a:extLst>
+                </a:gridCol>
+                <a:gridCol w="732971">
+                  <a:extLst>
+                    <a:ext uri="{9D8B030D-6E8A-4147-A177-3AD203B41FA5}">
+                      <a16:colId xmlns:a16="http://schemas.microsoft.com/office/drawing/2014/main" val="1745240979"/>
+                    </a:ext>
+                  </a:extLst>
+                </a:gridCol>
+                <a:gridCol w="732971">
+                  <a:extLst>
+                    <a:ext uri="{9D8B030D-6E8A-4147-A177-3AD203B41FA5}">
+                      <a16:colId xmlns:a16="http://schemas.microsoft.com/office/drawing/2014/main" val="830981527"/>
+                    </a:ext>
+                  </a:extLst>
+                </a:gridCol>
+                <a:gridCol w="732971">
+                  <a:extLst>
+                    <a:ext uri="{9D8B030D-6E8A-4147-A177-3AD203B41FA5}">
+                      <a16:colId xmlns:a16="http://schemas.microsoft.com/office/drawing/2014/main" val="323891662"/>
+                    </a:ext>
+                  </a:extLst>
+                </a:gridCol>
+                <a:gridCol w="732971">
+                  <a:extLst>
+                    <a:ext uri="{9D8B030D-6E8A-4147-A177-3AD203B41FA5}">
+                      <a16:colId xmlns:a16="http://schemas.microsoft.com/office/drawing/2014/main" val="3598847113"/>
+                    </a:ext>
+                  </a:extLst>
+                </a:gridCol>
+              </a:tblGrid>
+              <a:tr h="457200">
+                <a:tc>
+                  <a:txBody>
+                    <a:bodyPr/>
+                    <a:lstStyle/>
+                    <a:p>
+                      <a:pPr algn="ctr"/>
+                      <a:r>
+                        <a:rPr lang="en-US" sz="2000" dirty="0">
+                          <a:solidFill>
+                            <a:srgbClr val="FF0000"/>
+                          </a:solidFill>
+                        </a:rPr>
+                        <a:t>0</a:t>
+                      </a:r>
+                      <a:endParaRPr lang="en-SE" sz="2000" dirty="0">
+                        <a:solidFill>
+                          <a:srgbClr val="FF0000"/>
+                        </a:solidFill>
+                      </a:endParaRPr>
+                    </a:p>
+                  </a:txBody>
+                  <a:tcPr anchor="ctr"/>
+                </a:tc>
+                <a:tc>
+                  <a:txBody>
+                    <a:bodyPr/>
+                    <a:lstStyle/>
+                    <a:p>
+                      <a:pPr algn="ctr"/>
+                      <a:r>
+                        <a:rPr lang="en-US" sz="2000" dirty="0">
+                          <a:solidFill>
+                            <a:srgbClr val="FF0000"/>
+                          </a:solidFill>
+                        </a:rPr>
+                        <a:t>1</a:t>
+                      </a:r>
+                      <a:endParaRPr lang="en-SE" sz="2000" dirty="0">
+                        <a:solidFill>
+                          <a:srgbClr val="FF0000"/>
+                        </a:solidFill>
+                      </a:endParaRPr>
+                    </a:p>
+                  </a:txBody>
+                  <a:tcPr anchor="ctr"/>
+                </a:tc>
+                <a:tc>
+                  <a:txBody>
+                    <a:bodyPr/>
+                    <a:lstStyle/>
+                    <a:p>
+                      <a:pPr algn="ctr"/>
+                      <a:r>
+                        <a:rPr lang="en-US" sz="2000" dirty="0">
+                          <a:solidFill>
+                            <a:srgbClr val="FF0000"/>
+                          </a:solidFill>
+                        </a:rPr>
+                        <a:t>2</a:t>
+                      </a:r>
+                      <a:endParaRPr lang="en-SE" sz="2000" dirty="0">
+                        <a:solidFill>
+                          <a:srgbClr val="FF0000"/>
+                        </a:solidFill>
+                      </a:endParaRPr>
+                    </a:p>
+                  </a:txBody>
+                  <a:tcPr anchor="ctr"/>
+                </a:tc>
+                <a:tc>
+                  <a:txBody>
+                    <a:bodyPr/>
+                    <a:lstStyle/>
+                    <a:p>
+                      <a:pPr algn="ctr"/>
+                      <a:r>
+                        <a:rPr lang="en-US" sz="2000" dirty="0">
+                          <a:solidFill>
+                            <a:srgbClr val="FF0000"/>
+                          </a:solidFill>
+                        </a:rPr>
+                        <a:t>3</a:t>
+                      </a:r>
+                      <a:endParaRPr lang="en-SE" sz="2000" dirty="0">
+                        <a:solidFill>
+                          <a:srgbClr val="FF0000"/>
+                        </a:solidFill>
+                      </a:endParaRPr>
+                    </a:p>
+                  </a:txBody>
+                  <a:tcPr anchor="ctr"/>
+                </a:tc>
+                <a:tc>
+                  <a:txBody>
+                    <a:bodyPr/>
+                    <a:lstStyle/>
+                    <a:p>
+                      <a:pPr algn="ctr"/>
+                      <a:r>
+                        <a:rPr lang="en-US" sz="2000" dirty="0">
+                          <a:solidFill>
+                            <a:srgbClr val="FF0000"/>
+                          </a:solidFill>
+                        </a:rPr>
+                        <a:t>4</a:t>
+                      </a:r>
+                      <a:endParaRPr lang="en-SE" sz="2000" dirty="0">
+                        <a:solidFill>
+                          <a:srgbClr val="FF0000"/>
+                        </a:solidFill>
+                      </a:endParaRPr>
+                    </a:p>
+                  </a:txBody>
+                  <a:tcPr anchor="ctr"/>
+                </a:tc>
+                <a:tc>
+                  <a:txBody>
+                    <a:bodyPr/>
+                    <a:lstStyle/>
+                    <a:p>
+                      <a:pPr algn="ctr"/>
+                      <a:r>
+                        <a:rPr lang="en-US" sz="2000" dirty="0">
+                          <a:solidFill>
+                            <a:srgbClr val="FF0000"/>
+                          </a:solidFill>
+                        </a:rPr>
+                        <a:t>5</a:t>
+                      </a:r>
+                      <a:endParaRPr lang="en-SE" sz="2000" dirty="0">
+                        <a:solidFill>
+                          <a:srgbClr val="FF0000"/>
+                        </a:solidFill>
+                      </a:endParaRPr>
+                    </a:p>
+                  </a:txBody>
+                  <a:tcPr anchor="ctr"/>
+                </a:tc>
+                <a:extLst>
+                  <a:ext uri="{0D108BD9-81ED-4DB2-BD59-A6C34878D82A}">
+                    <a16:rowId xmlns:a16="http://schemas.microsoft.com/office/drawing/2014/main" val="3643504535"/>
+                  </a:ext>
+                </a:extLst>
+              </a:tr>
+            </a:tbl>
+          </a:graphicData>
+        </a:graphic>
+      </p:graphicFrame>
+      <p:cxnSp>
+        <p:nvCxnSpPr>
+          <p:cNvPr id="28" name="Straight Arrow Connector 27">
+            <a:extLst>
+              <a:ext uri="{FF2B5EF4-FFF2-40B4-BE49-F238E27FC236}">
+                <a16:creationId xmlns:a16="http://schemas.microsoft.com/office/drawing/2014/main" id="{2DFC2536-9ECB-0E07-A269-3FFB008A34C4}"/>
+              </a:ext>
+            </a:extLst>
+          </p:cNvPr>
+          <p:cNvCxnSpPr>
+            <a:cxnSpLocks/>
+          </p:cNvCxnSpPr>
+          <p:nvPr/>
+        </p:nvCxnSpPr>
+        <p:spPr bwMode="auto">
+          <a:xfrm>
+            <a:off x="5863812" y="3931014"/>
+            <a:ext cx="1150336" cy="0"/>
+          </a:xfrm>
+          <a:prstGeom prst="straightConnector1">
+            <a:avLst/>
+          </a:prstGeom>
+          <a:solidFill>
+            <a:schemeClr val="bg1"/>
+          </a:solidFill>
+          <a:ln w="28575" cap="flat" cmpd="sng" algn="ctr">
+            <a:solidFill>
+              <a:schemeClr val="tx1"/>
+            </a:solidFill>
+            <a:prstDash val="solid"/>
+            <a:round/>
+            <a:headEnd type="none" w="med" len="med"/>
+            <a:tailEnd type="arrow" w="med" len="med"/>
+          </a:ln>
+          <a:effectLst/>
+          <a:extLst>
+            <a:ext uri="{AF507438-7753-43e0-B8FC-AC1667EBCBE1}">
+              <a14:hiddenEffects xmlns="" xmlns:a14="http://schemas.microsoft.com/office/drawing/2010/main">
+                <a:effectLst>
+                  <a:outerShdw dist="35921" dir="2700000" algn="ctr" rotWithShape="0">
+                    <a:schemeClr val="bg2"/>
+                  </a:outerShdw>
+                </a:effectLst>
+              </a14:hiddenEffects>
+            </a:ext>
+          </a:extLst>
+        </p:spPr>
+      </p:cxnSp>
+      <p:sp>
+        <p:nvSpPr>
+          <p:cNvPr id="29" name="TextBox 28">
+            <a:extLst>
+              <a:ext uri="{FF2B5EF4-FFF2-40B4-BE49-F238E27FC236}">
+                <a16:creationId xmlns:a16="http://schemas.microsoft.com/office/drawing/2014/main" id="{FD97478A-70B2-1808-A3FF-4656F1FAF1BD}"/>
+              </a:ext>
+            </a:extLst>
+          </p:cNvPr>
+          <p:cNvSpPr txBox="1"/>
+          <p:nvPr/>
+        </p:nvSpPr>
+        <p:spPr>
+          <a:xfrm>
+            <a:off x="5945416" y="3595773"/>
+            <a:ext cx="1052523" cy="338554"/>
+          </a:xfrm>
+          <a:prstGeom prst="rect">
+            <a:avLst/>
+          </a:prstGeom>
+          <a:noFill/>
+        </p:spPr>
+        <p:txBody>
+          <a:bodyPr wrap="square">
+            <a:spAutoFit/>
+          </a:bodyPr>
+          <a:lstStyle/>
+          <a:p>
+            <a:r>
+              <a:rPr lang="en-US" altLang="zh-CN" sz="1600" b="0" dirty="0">
+                <a:latin typeface="Arial" panose="020B0604020202020204" pitchFamily="34" charset="0"/>
+                <a:cs typeface="Arial" panose="020B0604020202020204" pitchFamily="34" charset="0"/>
+              </a:rPr>
+              <a:t>Insert 5</a:t>
+            </a:r>
+            <a:endParaRPr lang="en-SE" sz="1600" b="0" dirty="0">
+              <a:latin typeface="Arial" panose="020B0604020202020204" pitchFamily="34" charset="0"/>
+              <a:cs typeface="Arial" panose="020B0604020202020204" pitchFamily="34" charset="0"/>
+            </a:endParaRPr>
+          </a:p>
+        </p:txBody>
+      </p:sp>
+    </p:spTree>
+    <p:extLst>
+      <p:ext uri="{BB962C8B-B14F-4D97-AF65-F5344CB8AC3E}">
+        <p14:creationId xmlns:p14="http://schemas.microsoft.com/office/powerpoint/2010/main" val="1144947879"/>
+      </p:ext>
+    </p:extLst>
+  </p:cSld>
+  <p:clrMapOvr>
+    <a:masterClrMapping/>
+  </p:clrMapOvr>
+  <p:transition/>
+</p:sld>
+</file>
+
+<file path=ppt/slides/slide3.xml><?xml version="1.0" encoding="utf-8"?>
 <p:sld xmlns:a="http://schemas.openxmlformats.org/drawingml/2006/main" xmlns:r="http://schemas.openxmlformats.org/officeDocument/2006/relationships" xmlns:p="http://schemas.openxmlformats.org/presentationml/2006/main">
   <p:cSld>
     <p:spTree>
@@ -39780,7 +41663,7 @@
 </p:sld>
 </file>
 
-<file path=ppt/slides/slide3.xml><?xml version="1.0" encoding="utf-8"?>
+<file path=ppt/slides/slide4.xml><?xml version="1.0" encoding="utf-8"?>
 <p:sld xmlns:a="http://schemas.openxmlformats.org/drawingml/2006/main" xmlns:r="http://schemas.openxmlformats.org/officeDocument/2006/relationships" xmlns:p="http://schemas.openxmlformats.org/presentationml/2006/main">
   <p:cSld>
     <p:spTree>
@@ -42770,7 +44653,7 @@
 </p:sld>
 </file>
 
-<file path=ppt/slides/slide4.xml><?xml version="1.0" encoding="utf-8"?>
+<file path=ppt/slides/slide5.xml><?xml version="1.0" encoding="utf-8"?>
 <p:sld xmlns:a="http://schemas.openxmlformats.org/drawingml/2006/main" xmlns:r="http://schemas.openxmlformats.org/officeDocument/2006/relationships" xmlns:p="http://schemas.openxmlformats.org/presentationml/2006/main">
   <p:cSld>
     <p:spTree>
@@ -44661,7 +46544,7 @@
 </p:sld>
 </file>
 
-<file path=ppt/slides/slide5.xml><?xml version="1.0" encoding="utf-8"?>
+<file path=ppt/slides/slide6.xml><?xml version="1.0" encoding="utf-8"?>
 <p:sld xmlns:a="http://schemas.openxmlformats.org/drawingml/2006/main" xmlns:r="http://schemas.openxmlformats.org/officeDocument/2006/relationships" xmlns:p="http://schemas.openxmlformats.org/presentationml/2006/main">
   <p:cSld>
     <p:spTree>
